--- a/gui/pyqt.pptx
+++ b/gui/pyqt.pptx
@@ -5,7 +5,7 @@
     <p:sldMasterId id="2147483648" r:id="rId1"/>
   </p:sldMasterIdLst>
   <p:notesMasterIdLst>
-    <p:notesMasterId r:id="rId59"/>
+    <p:notesMasterId r:id="rId58"/>
   </p:notesMasterIdLst>
   <p:sldIdLst>
     <p:sldId id="257" r:id="rId2"/>
@@ -64,7 +64,6 @@
     <p:sldId id="310" r:id="rId55"/>
     <p:sldId id="311" r:id="rId56"/>
     <p:sldId id="312" r:id="rId57"/>
-    <p:sldId id="313" r:id="rId58"/>
   </p:sldIdLst>
   <p:sldSz cx="12192000" cy="6858000"/>
   <p:notesSz cx="6858000" cy="9144000"/>
@@ -253,7 +252,7 @@
           <a:p>
             <a:fld id="{2407CA34-A781-4867-B1F0-8A68915E2129}" type="datetimeFigureOut">
               <a:rPr lang="en-US" smtClean="0"/>
-              <a:t>2/16/2023</a:t>
+              <a:t>2/15/2023</a:t>
             </a:fld>
             <a:endParaRPr lang="en-US"/>
           </a:p>
@@ -3713,90 +3712,6 @@
 </p:notes>
 </file>
 
-<file path=ppt/notesSlides/notesSlide44.xml><?xml version="1.0" encoding="utf-8"?>
-<p:notes xmlns:a="http://schemas.openxmlformats.org/drawingml/2006/main" xmlns:r="http://schemas.openxmlformats.org/officeDocument/2006/relationships" xmlns:p="http://schemas.openxmlformats.org/presentationml/2006/main">
-  <p:cSld>
-    <p:spTree>
-      <p:nvGrpSpPr>
-        <p:cNvPr id="1" name=""/>
-        <p:cNvGrpSpPr/>
-        <p:nvPr/>
-      </p:nvGrpSpPr>
-      <p:grpSpPr>
-        <a:xfrm>
-          <a:off x="0" y="0"/>
-          <a:ext cx="0" cy="0"/>
-          <a:chOff x="0" y="0"/>
-          <a:chExt cx="0" cy="0"/>
-        </a:xfrm>
-      </p:grpSpPr>
-      <p:sp>
-        <p:nvSpPr>
-          <p:cNvPr id="2" name="Slide Image Placeholder 1"/>
-          <p:cNvSpPr>
-            <a:spLocks noGrp="1" noRot="1" noChangeAspect="1"/>
-          </p:cNvSpPr>
-          <p:nvPr>
-            <p:ph type="sldImg"/>
-          </p:nvPr>
-        </p:nvSpPr>
-        <p:spPr/>
-      </p:sp>
-      <p:sp>
-        <p:nvSpPr>
-          <p:cNvPr id="3" name="Notes Placeholder 2"/>
-          <p:cNvSpPr>
-            <a:spLocks noGrp="1"/>
-          </p:cNvSpPr>
-          <p:nvPr>
-            <p:ph type="body" idx="1"/>
-          </p:nvPr>
-        </p:nvSpPr>
-        <p:spPr/>
-        <p:txBody>
-          <a:bodyPr/>
-          <a:lstStyle/>
-          <a:p>
-            <a:endParaRPr lang="en-US" dirty="0"/>
-          </a:p>
-        </p:txBody>
-      </p:sp>
-      <p:sp>
-        <p:nvSpPr>
-          <p:cNvPr id="4" name="Slide Number Placeholder 3"/>
-          <p:cNvSpPr>
-            <a:spLocks noGrp="1"/>
-          </p:cNvSpPr>
-          <p:nvPr>
-            <p:ph type="sldNum" sz="quarter" idx="10"/>
-          </p:nvPr>
-        </p:nvSpPr>
-        <p:spPr/>
-        <p:txBody>
-          <a:bodyPr/>
-          <a:lstStyle/>
-          <a:p>
-            <a:fld id="{734E42ED-693B-4484-BFD1-6B497C074457}" type="slidenum">
-              <a:rPr lang="en-US" smtClean="0"/>
-              <a:t>57</a:t>
-            </a:fld>
-            <a:endParaRPr lang="en-US"/>
-          </a:p>
-        </p:txBody>
-      </p:sp>
-    </p:spTree>
-    <p:extLst>
-      <p:ext uri="{BB962C8B-B14F-4D97-AF65-F5344CB8AC3E}">
-        <p14:creationId xmlns:p14="http://schemas.microsoft.com/office/powerpoint/2010/main" val="333356769"/>
-      </p:ext>
-    </p:extLst>
-  </p:cSld>
-  <p:clrMapOvr>
-    <a:masterClrMapping/>
-  </p:clrMapOvr>
-</p:notes>
-</file>
-
 <file path=ppt/notesSlides/notesSlide5.xml><?xml version="1.0" encoding="utf-8"?>
 <p:notes xmlns:a="http://schemas.openxmlformats.org/drawingml/2006/main" xmlns:r="http://schemas.openxmlformats.org/officeDocument/2006/relationships" xmlns:p="http://schemas.openxmlformats.org/presentationml/2006/main">
   <p:cSld>
@@ -4348,7 +4263,7 @@
           <a:p>
             <a:fld id="{A9EE6800-633F-4576-A48A-D4179C2C01D4}" type="datetimeFigureOut">
               <a:rPr lang="en-US" smtClean="0"/>
-              <a:t>2/16/2023</a:t>
+              <a:t>2/15/2023</a:t>
             </a:fld>
             <a:endParaRPr lang="en-US"/>
           </a:p>
@@ -4518,7 +4433,7 @@
           <a:p>
             <a:fld id="{A9EE6800-633F-4576-A48A-D4179C2C01D4}" type="datetimeFigureOut">
               <a:rPr lang="en-US" smtClean="0"/>
-              <a:t>2/16/2023</a:t>
+              <a:t>2/15/2023</a:t>
             </a:fld>
             <a:endParaRPr lang="en-US"/>
           </a:p>
@@ -4698,7 +4613,7 @@
           <a:p>
             <a:fld id="{A9EE6800-633F-4576-A48A-D4179C2C01D4}" type="datetimeFigureOut">
               <a:rPr lang="en-US" smtClean="0"/>
-              <a:t>2/16/2023</a:t>
+              <a:t>2/15/2023</a:t>
             </a:fld>
             <a:endParaRPr lang="en-US"/>
           </a:p>
@@ -4868,7 +4783,7 @@
           <a:p>
             <a:fld id="{A9EE6800-633F-4576-A48A-D4179C2C01D4}" type="datetimeFigureOut">
               <a:rPr lang="en-US" smtClean="0"/>
-              <a:t>2/16/2023</a:t>
+              <a:t>2/15/2023</a:t>
             </a:fld>
             <a:endParaRPr lang="en-US"/>
           </a:p>
@@ -5114,7 +5029,7 @@
           <a:p>
             <a:fld id="{A9EE6800-633F-4576-A48A-D4179C2C01D4}" type="datetimeFigureOut">
               <a:rPr lang="en-US" smtClean="0"/>
-              <a:t>2/16/2023</a:t>
+              <a:t>2/15/2023</a:t>
             </a:fld>
             <a:endParaRPr lang="en-US"/>
           </a:p>
@@ -5346,7 +5261,7 @@
           <a:p>
             <a:fld id="{A9EE6800-633F-4576-A48A-D4179C2C01D4}" type="datetimeFigureOut">
               <a:rPr lang="en-US" smtClean="0"/>
-              <a:t>2/16/2023</a:t>
+              <a:t>2/15/2023</a:t>
             </a:fld>
             <a:endParaRPr lang="en-US"/>
           </a:p>
@@ -5713,7 +5628,7 @@
           <a:p>
             <a:fld id="{A9EE6800-633F-4576-A48A-D4179C2C01D4}" type="datetimeFigureOut">
               <a:rPr lang="en-US" smtClean="0"/>
-              <a:t>2/16/2023</a:t>
+              <a:t>2/15/2023</a:t>
             </a:fld>
             <a:endParaRPr lang="en-US"/>
           </a:p>
@@ -5831,7 +5746,7 @@
           <a:p>
             <a:fld id="{A9EE6800-633F-4576-A48A-D4179C2C01D4}" type="datetimeFigureOut">
               <a:rPr lang="en-US" smtClean="0"/>
-              <a:t>2/16/2023</a:t>
+              <a:t>2/15/2023</a:t>
             </a:fld>
             <a:endParaRPr lang="en-US"/>
           </a:p>
@@ -5926,7 +5841,7 @@
           <a:p>
             <a:fld id="{A9EE6800-633F-4576-A48A-D4179C2C01D4}" type="datetimeFigureOut">
               <a:rPr lang="en-US" smtClean="0"/>
-              <a:t>2/16/2023</a:t>
+              <a:t>2/15/2023</a:t>
             </a:fld>
             <a:endParaRPr lang="en-US"/>
           </a:p>
@@ -6203,7 +6118,7 @@
           <a:p>
             <a:fld id="{A9EE6800-633F-4576-A48A-D4179C2C01D4}" type="datetimeFigureOut">
               <a:rPr lang="en-US" smtClean="0"/>
-              <a:t>2/16/2023</a:t>
+              <a:t>2/15/2023</a:t>
             </a:fld>
             <a:endParaRPr lang="en-US"/>
           </a:p>
@@ -6456,7 +6371,7 @@
           <a:p>
             <a:fld id="{A9EE6800-633F-4576-A48A-D4179C2C01D4}" type="datetimeFigureOut">
               <a:rPr lang="en-US" smtClean="0"/>
-              <a:t>2/16/2023</a:t>
+              <a:t>2/15/2023</a:t>
             </a:fld>
             <a:endParaRPr lang="en-US"/>
           </a:p>
@@ -6669,7 +6584,7 @@
           <a:p>
             <a:fld id="{A9EE6800-633F-4576-A48A-D4179C2C01D4}" type="datetimeFigureOut">
               <a:rPr lang="en-US" smtClean="0"/>
-              <a:t>2/16/2023</a:t>
+              <a:t>2/15/2023</a:t>
             </a:fld>
             <a:endParaRPr lang="en-US"/>
           </a:p>
@@ -11579,6 +11494,10 @@
               </a:rPr>
               <a:t> هم این مساله صادق است.</a:t>
             </a:r>
+            <a:endParaRPr lang="fa-IR" dirty="0" smtClean="0">
+              <a:latin typeface="Source Code Pro" panose="020B0509030403020204" pitchFamily="49" charset="0"/>
+              <a:cs typeface="B Yekan" panose="00000400000000000000" pitchFamily="2" charset="-78"/>
+            </a:endParaRPr>
           </a:p>
         </p:txBody>
       </p:sp>
@@ -11853,6 +11772,10 @@
               </a:rPr>
               <a:t>لیستی از ویجت‌ها</a:t>
             </a:r>
+            <a:endParaRPr lang="fa-IR" sz="3600" dirty="0" smtClean="0">
+              <a:latin typeface="Source Code Pro" panose="020B0509030403020204" pitchFamily="49" charset="0"/>
+              <a:cs typeface="B Yekan" panose="00000400000000000000" pitchFamily="2" charset="-78"/>
+            </a:endParaRPr>
           </a:p>
         </p:txBody>
       </p:sp>
@@ -11945,6 +11868,10 @@
               </a:rPr>
               <a:t>لیستی از ویجت‌ها</a:t>
             </a:r>
+            <a:endParaRPr lang="fa-IR" sz="3600" dirty="0" smtClean="0">
+              <a:latin typeface="Source Code Pro" panose="020B0509030403020204" pitchFamily="49" charset="0"/>
+              <a:cs typeface="B Yekan" panose="00000400000000000000" pitchFamily="2" charset="-78"/>
+            </a:endParaRPr>
           </a:p>
         </p:txBody>
       </p:sp>
@@ -12061,6 +11988,10 @@
               </a:rPr>
               <a:t>لیستی از ویجت‌ها</a:t>
             </a:r>
+            <a:endParaRPr lang="fa-IR" sz="3600" dirty="0" smtClean="0">
+              <a:latin typeface="Source Code Pro" panose="020B0509030403020204" pitchFamily="49" charset="0"/>
+              <a:cs typeface="B Yekan" panose="00000400000000000000" pitchFamily="2" charset="-78"/>
+            </a:endParaRPr>
           </a:p>
         </p:txBody>
       </p:sp>
@@ -12345,6 +12276,10 @@
               </a:rPr>
               <a:t>تغییر اندازه و فونت</a:t>
             </a:r>
+            <a:endParaRPr lang="fa-IR" sz="2800" dirty="0" smtClean="0">
+              <a:latin typeface="Source Code Pro" panose="020B0509030403020204" pitchFamily="49" charset="0"/>
+              <a:cs typeface="B Yekan" panose="00000400000000000000" pitchFamily="2" charset="-78"/>
+            </a:endParaRPr>
           </a:p>
         </p:txBody>
       </p:sp>
@@ -12415,6 +12350,10 @@
               </a:rPr>
               <a:t>استفاده می‌کنیم.</a:t>
             </a:r>
+            <a:endParaRPr lang="fa-IR" sz="2000" dirty="0" smtClean="0">
+              <a:latin typeface="Source Code Pro" panose="020B0509030403020204" pitchFamily="49" charset="0"/>
+              <a:cs typeface="B Yekan" panose="00000400000000000000" pitchFamily="2" charset="-78"/>
+            </a:endParaRPr>
           </a:p>
         </p:txBody>
       </p:sp>
@@ -12732,6 +12671,10 @@
               </a:rPr>
               <a:t> همجنس استفاده کرد، یعنی عمودی و افقی را نمی‌توان با هم استفاده کرد.</a:t>
             </a:r>
+            <a:endParaRPr lang="fa-IR" sz="2000" dirty="0" smtClean="0">
+              <a:latin typeface="Source Code Pro" panose="020B0509030403020204" pitchFamily="49" charset="0"/>
+              <a:cs typeface="B Yekan" panose="00000400000000000000" pitchFamily="2" charset="-78"/>
+            </a:endParaRPr>
           </a:p>
         </p:txBody>
       </p:sp>
@@ -12785,6 +12728,10 @@
               </a:rPr>
               <a:t>‌های غیر متداخل هستند</a:t>
             </a:r>
+            <a:endParaRPr lang="fa-IR" dirty="0" smtClean="0">
+              <a:latin typeface="Source Code Pro" panose="020B0509030403020204" pitchFamily="49" charset="0"/>
+              <a:cs typeface="B Yekan" panose="00000400000000000000" pitchFamily="2" charset="-78"/>
+            </a:endParaRPr>
           </a:p>
         </p:txBody>
       </p:sp>
@@ -13152,6 +13099,10 @@
               </a:rPr>
               <a:t>عکس در لیبل</a:t>
             </a:r>
+            <a:endParaRPr lang="fa-IR" sz="2400" dirty="0" smtClean="0">
+              <a:latin typeface="Source Code Pro" panose="020B0509030403020204" pitchFamily="49" charset="0"/>
+              <a:cs typeface="B Yekan" panose="00000400000000000000" pitchFamily="2" charset="-78"/>
+            </a:endParaRPr>
           </a:p>
         </p:txBody>
       </p:sp>
@@ -13250,6 +13201,10 @@
               </a:rPr>
               <a:t>عکس در لیبل</a:t>
             </a:r>
+            <a:endParaRPr lang="fa-IR" sz="2400" dirty="0" smtClean="0">
+              <a:latin typeface="Source Code Pro" panose="020B0509030403020204" pitchFamily="49" charset="0"/>
+              <a:cs typeface="B Yekan" panose="00000400000000000000" pitchFamily="2" charset="-78"/>
+            </a:endParaRPr>
           </a:p>
         </p:txBody>
       </p:sp>
@@ -13330,6 +13285,10 @@
               </a:rPr>
               <a:t>تمام صفحه</a:t>
             </a:r>
+            <a:endParaRPr lang="fa-IR" dirty="0" smtClean="0">
+              <a:latin typeface="Source Code Pro" panose="020B0509030403020204" pitchFamily="49" charset="0"/>
+              <a:cs typeface="B Yekan" panose="00000400000000000000" pitchFamily="2" charset="-78"/>
+            </a:endParaRPr>
           </a:p>
         </p:txBody>
       </p:sp>
@@ -13428,6 +13387,10 @@
               </a:rPr>
               <a:t>عکس در لیبل</a:t>
             </a:r>
+            <a:endParaRPr lang="fa-IR" sz="2400" dirty="0" smtClean="0">
+              <a:latin typeface="Source Code Pro" panose="020B0509030403020204" pitchFamily="49" charset="0"/>
+              <a:cs typeface="B Yekan" panose="00000400000000000000" pitchFamily="2" charset="-78"/>
+            </a:endParaRPr>
           </a:p>
         </p:txBody>
       </p:sp>
@@ -13508,6 +13471,10 @@
               </a:rPr>
               <a:t>تمام صفحه</a:t>
             </a:r>
+            <a:endParaRPr lang="fa-IR" dirty="0" smtClean="0">
+              <a:latin typeface="Source Code Pro" panose="020B0509030403020204" pitchFamily="49" charset="0"/>
+              <a:cs typeface="B Yekan" panose="00000400000000000000" pitchFamily="2" charset="-78"/>
+            </a:endParaRPr>
           </a:p>
         </p:txBody>
       </p:sp>
@@ -13701,6 +13668,10 @@
               </a:rPr>
               <a:t>عکس در لیبل</a:t>
             </a:r>
+            <a:endParaRPr lang="fa-IR" sz="2400" dirty="0" smtClean="0">
+              <a:latin typeface="Source Code Pro" panose="020B0509030403020204" pitchFamily="49" charset="0"/>
+              <a:cs typeface="B Yekan" panose="00000400000000000000" pitchFamily="2" charset="-78"/>
+            </a:endParaRPr>
           </a:p>
         </p:txBody>
       </p:sp>
@@ -14656,6 +14627,10 @@
               </a:rPr>
               <a:t>اضافه کردن محدودیت تعداد</a:t>
             </a:r>
+            <a:endParaRPr lang="fa-IR" sz="2000" dirty="0" smtClean="0">
+              <a:latin typeface="Source Code Pro" panose="020B0509030403020204" pitchFamily="49" charset="0"/>
+              <a:cs typeface="B Yekan" panose="00000400000000000000" pitchFamily="2" charset="-78"/>
+            </a:endParaRPr>
           </a:p>
         </p:txBody>
       </p:sp>
@@ -14663,120 +14638,6 @@
     <p:extLst>
       <p:ext uri="{BB962C8B-B14F-4D97-AF65-F5344CB8AC3E}">
         <p14:creationId xmlns:p14="http://schemas.microsoft.com/office/powerpoint/2010/main" val="1245901612"/>
-      </p:ext>
-    </p:extLst>
-  </p:cSld>
-  <p:clrMapOvr>
-    <a:masterClrMapping/>
-  </p:clrMapOvr>
-</p:sld>
-</file>
-
-<file path=ppt/slides/slide57.xml><?xml version="1.0" encoding="utf-8"?>
-<p:sld xmlns:a="http://schemas.openxmlformats.org/drawingml/2006/main" xmlns:r="http://schemas.openxmlformats.org/officeDocument/2006/relationships" xmlns:p="http://schemas.openxmlformats.org/presentationml/2006/main">
-  <p:cSld>
-    <p:spTree>
-      <p:nvGrpSpPr>
-        <p:cNvPr id="1" name=""/>
-        <p:cNvGrpSpPr/>
-        <p:nvPr/>
-      </p:nvGrpSpPr>
-      <p:grpSpPr>
-        <a:xfrm>
-          <a:off x="0" y="0"/>
-          <a:ext cx="0" cy="0"/>
-          <a:chOff x="0" y="0"/>
-          <a:chExt cx="0" cy="0"/>
-        </a:xfrm>
-      </p:grpSpPr>
-      <p:sp>
-        <p:nvSpPr>
-          <p:cNvPr id="4" name="Rectangle 3"/>
-          <p:cNvSpPr/>
-          <p:nvPr/>
-        </p:nvSpPr>
-        <p:spPr>
-          <a:xfrm>
-            <a:off x="4770748" y="311778"/>
-            <a:ext cx="2403222" cy="646331"/>
-          </a:xfrm>
-          <a:prstGeom prst="rect">
-            <a:avLst/>
-          </a:prstGeom>
-        </p:spPr>
-        <p:txBody>
-          <a:bodyPr wrap="none">
-            <a:spAutoFit/>
-          </a:bodyPr>
-          <a:lstStyle/>
-          <a:p>
-            <a:pPr algn="r" rtl="1"/>
-            <a:r>
-              <a:rPr lang="en-US" sz="3600" dirty="0" err="1">
-                <a:latin typeface="Source Code Pro" panose="020B0509030403020204" pitchFamily="49" charset="0"/>
-                <a:cs typeface="B Yekan" panose="00000400000000000000" pitchFamily="2" charset="-78"/>
-              </a:rPr>
-              <a:t>QListBox</a:t>
-            </a:r>
-            <a:endParaRPr lang="fa-IR" sz="3600" dirty="0">
-              <a:latin typeface="Source Code Pro" panose="020B0509030403020204" pitchFamily="49" charset="0"/>
-              <a:cs typeface="B Yekan" panose="00000400000000000000" pitchFamily="2" charset="-78"/>
-            </a:endParaRPr>
-          </a:p>
-        </p:txBody>
-      </p:sp>
-      <p:pic>
-        <p:nvPicPr>
-          <p:cNvPr id="5" name="Picture 4"/>
-          <p:cNvPicPr>
-            <a:picLocks noChangeAspect="1"/>
-          </p:cNvPicPr>
-          <p:nvPr/>
-        </p:nvPicPr>
-        <p:blipFill>
-          <a:blip r:embed="rId3"/>
-          <a:stretch>
-            <a:fillRect/>
-          </a:stretch>
-        </p:blipFill>
-        <p:spPr>
-          <a:xfrm>
-            <a:off x="318654" y="958109"/>
-            <a:ext cx="4661397" cy="5872546"/>
-          </a:xfrm>
-          <a:prstGeom prst="rect">
-            <a:avLst/>
-          </a:prstGeom>
-        </p:spPr>
-      </p:pic>
-      <p:pic>
-        <p:nvPicPr>
-          <p:cNvPr id="6" name="Picture 5"/>
-          <p:cNvPicPr>
-            <a:picLocks noChangeAspect="1"/>
-          </p:cNvPicPr>
-          <p:nvPr/>
-        </p:nvPicPr>
-        <p:blipFill>
-          <a:blip r:embed="rId4"/>
-          <a:stretch>
-            <a:fillRect/>
-          </a:stretch>
-        </p:blipFill>
-        <p:spPr>
-          <a:xfrm>
-            <a:off x="6040241" y="2798854"/>
-            <a:ext cx="4877481" cy="1095528"/>
-          </a:xfrm>
-          <a:prstGeom prst="rect">
-            <a:avLst/>
-          </a:prstGeom>
-        </p:spPr>
-      </p:pic>
-    </p:spTree>
-    <p:extLst>
-      <p:ext uri="{BB962C8B-B14F-4D97-AF65-F5344CB8AC3E}">
-        <p14:creationId xmlns:p14="http://schemas.microsoft.com/office/powerpoint/2010/main" val="3790757798"/>
       </p:ext>
     </p:extLst>
   </p:cSld>
